--- a/Aula 03/2023.03.13 Aula 03 - SOS Morse Code Signaler e Traffic Lights v1.pptx
+++ b/Aula 03/2023.03.13 Aula 03 - SOS Morse Code Signaler e Traffic Lights v1.pptx
@@ -225,7 +225,7 @@
             <a:fld id="{4EA5E1ED-E65E-440E-8A4B-5F5DC973F797}" type="datetimeFigureOut">
               <a:rPr lang="pt-BR" smtClean="0"/>
               <a:pPr/>
-              <a:t>10/03/2023</a:t>
+              <a:t>13/03/2023</a:t>
             </a:fld>
             <a:endParaRPr lang="pt-BR"/>
           </a:p>
@@ -727,7 +727,7 @@
           <a:p>
             <a:fld id="{1787AD07-0C2A-424C-83EF-FCCF4A0D3BA0}" type="datetime1">
               <a:rPr lang="pt-BR" smtClean="0"/>
-              <a:t>10/03/2023</a:t>
+              <a:t>13/03/2023</a:t>
             </a:fld>
             <a:endParaRPr lang="pt-BR"/>
           </a:p>
@@ -896,7 +896,7 @@
           <a:p>
             <a:fld id="{2F92FB66-59C8-46A5-AD82-5DAAFD2DC390}" type="datetime1">
               <a:rPr lang="pt-BR" smtClean="0"/>
-              <a:t>10/03/2023</a:t>
+              <a:t>13/03/2023</a:t>
             </a:fld>
             <a:endParaRPr lang="pt-BR"/>
           </a:p>
@@ -1075,7 +1075,7 @@
           <a:p>
             <a:fld id="{3D5CC8D2-C61E-4471-AD68-1C0D45A8EAFC}" type="datetime1">
               <a:rPr lang="pt-BR" smtClean="0"/>
-              <a:t>10/03/2023</a:t>
+              <a:t>13/03/2023</a:t>
             </a:fld>
             <a:endParaRPr lang="pt-BR"/>
           </a:p>
@@ -1218,7 +1218,7 @@
           <a:p>
             <a:fld id="{C3E38981-C08A-4A29-B885-392FB4EE0709}" type="datetime1">
               <a:rPr lang="pt-BR" smtClean="0"/>
-              <a:t>10/03/2023</a:t>
+              <a:t>13/03/2023</a:t>
             </a:fld>
             <a:endParaRPr lang="en-US" dirty="0"/>
           </a:p>
@@ -1603,7 +1603,7 @@
           <a:p>
             <a:fld id="{2CFE63D7-5B4A-40A4-8FD4-EA63D1010EB7}" type="datetime1">
               <a:rPr lang="pt-BR" smtClean="0"/>
-              <a:t>10/03/2023</a:t>
+              <a:t>13/03/2023</a:t>
             </a:fld>
             <a:endParaRPr lang="en-US" dirty="0"/>
           </a:p>
@@ -1825,7 +1825,7 @@
           <a:p>
             <a:fld id="{A9719147-5557-4D76-A2C3-BF25882771D2}" type="datetime1">
               <a:rPr lang="pt-BR" smtClean="0"/>
-              <a:t>10/03/2023</a:t>
+              <a:t>13/03/2023</a:t>
             </a:fld>
             <a:endParaRPr lang="en-US" dirty="0"/>
           </a:p>
@@ -2138,7 +2138,7 @@
           <a:p>
             <a:fld id="{66250340-7104-44A8-88A9-88532CCE9C1C}" type="datetime1">
               <a:rPr lang="pt-BR" smtClean="0"/>
-              <a:t>10/03/2023</a:t>
+              <a:t>13/03/2023</a:t>
             </a:fld>
             <a:endParaRPr lang="en-US" dirty="0"/>
           </a:p>
@@ -2323,7 +2323,7 @@
           <a:p>
             <a:fld id="{D047EA32-7810-48BE-A9BB-EA3D8AA5AD34}" type="datetime1">
               <a:rPr lang="pt-BR" smtClean="0"/>
-              <a:t>10/03/2023</a:t>
+              <a:t>13/03/2023</a:t>
             </a:fld>
             <a:endParaRPr lang="en-US" dirty="0"/>
           </a:p>
@@ -2471,7 +2471,7 @@
           <a:p>
             <a:fld id="{7C28E9E9-B91F-400E-BE43-87BB4B5C6F4E}" type="datetime1">
               <a:rPr lang="pt-BR" smtClean="0"/>
-              <a:t>10/03/2023</a:t>
+              <a:t>13/03/2023</a:t>
             </a:fld>
             <a:endParaRPr lang="en-US" dirty="0"/>
           </a:p>
@@ -2723,7 +2723,7 @@
           <a:p>
             <a:fld id="{A9E773EA-BFD5-41D4-8CCD-2C9F67DAB481}" type="datetime1">
               <a:rPr lang="pt-BR" smtClean="0"/>
-              <a:t>10/03/2023</a:t>
+              <a:t>13/03/2023</a:t>
             </a:fld>
             <a:endParaRPr lang="pt-BR" dirty="0"/>
           </a:p>
@@ -2925,7 +2925,7 @@
           <a:p>
             <a:fld id="{DAA7C8B6-CF57-4A95-AF6C-A77E6C230ED3}" type="datetime1">
               <a:rPr lang="pt-BR" smtClean="0"/>
-              <a:t>10/03/2023</a:t>
+              <a:t>13/03/2023</a:t>
             </a:fld>
             <a:endParaRPr lang="pt-BR"/>
           </a:p>
@@ -3209,7 +3209,7 @@
           <a:p>
             <a:fld id="{34D50989-24C8-4023-9B0D-A6D249548FD9}" type="datetime1">
               <a:rPr lang="pt-BR" smtClean="0"/>
-              <a:t>10/03/2023</a:t>
+              <a:t>13/03/2023</a:t>
             </a:fld>
             <a:endParaRPr lang="pt-BR"/>
           </a:p>
@@ -3445,7 +3445,7 @@
           <a:p>
             <a:fld id="{8D9BC96A-9776-4585-A439-BC9E2DA226C1}" type="datetime1">
               <a:rPr lang="pt-BR" smtClean="0"/>
-              <a:t>10/03/2023</a:t>
+              <a:t>13/03/2023</a:t>
             </a:fld>
             <a:endParaRPr lang="pt-BR"/>
           </a:p>
@@ -3828,7 +3828,7 @@
           <a:p>
             <a:fld id="{7D12BE36-2922-4567-BD67-201EFA21BF6D}" type="datetime1">
               <a:rPr lang="pt-BR" smtClean="0"/>
-              <a:t>10/03/2023</a:t>
+              <a:t>13/03/2023</a:t>
             </a:fld>
             <a:endParaRPr lang="pt-BR"/>
           </a:p>
@@ -3940,7 +3940,7 @@
           <a:p>
             <a:fld id="{E5B462A9-4B1E-4013-BFB1-FC92225AC2F2}" type="datetime1">
               <a:rPr lang="pt-BR" smtClean="0"/>
-              <a:t>10/03/2023</a:t>
+              <a:t>13/03/2023</a:t>
             </a:fld>
             <a:endParaRPr lang="pt-BR"/>
           </a:p>
@@ -4024,7 +4024,7 @@
           <a:p>
             <a:fld id="{D0E6EC7A-67E7-4978-9BAE-C8F82A40B13B}" type="datetime1">
               <a:rPr lang="pt-BR" smtClean="0"/>
-              <a:t>10/03/2023</a:t>
+              <a:t>13/03/2023</a:t>
             </a:fld>
             <a:endParaRPr lang="pt-BR"/>
           </a:p>
@@ -4306,7 +4306,7 @@
           <a:p>
             <a:fld id="{6E085A4E-80B8-47DD-9D9B-8E1B205CBB30}" type="datetime1">
               <a:rPr lang="pt-BR" smtClean="0"/>
-              <a:t>10/03/2023</a:t>
+              <a:t>13/03/2023</a:t>
             </a:fld>
             <a:endParaRPr lang="pt-BR"/>
           </a:p>
@@ -4565,7 +4565,7 @@
           <a:p>
             <a:fld id="{F4E9A02C-D9AD-4B8C-9B93-B0980E8E86EB}" type="datetime1">
               <a:rPr lang="pt-BR" smtClean="0"/>
-              <a:t>10/03/2023</a:t>
+              <a:t>13/03/2023</a:t>
             </a:fld>
             <a:endParaRPr lang="pt-BR"/>
           </a:p>
@@ -4777,7 +4777,7 @@
           <a:p>
             <a:fld id="{202762D0-3A59-4B14-83BA-8E0FC8A60AB1}" type="datetime1">
               <a:rPr lang="pt-BR" smtClean="0"/>
-              <a:t>10/03/2023</a:t>
+              <a:t>13/03/2023</a:t>
             </a:fld>
             <a:endParaRPr lang="pt-BR"/>
           </a:p>
@@ -10066,6 +10066,199 @@
       </p:transition>
     </mc:Fallback>
   </mc:AlternateContent>
+  <p:timing>
+    <p:tnLst>
+      <p:par>
+        <p:cTn id="1" dur="indefinite" restart="never" nodeType="tmRoot">
+          <p:childTnLst>
+            <p:seq concurrent="1" nextAc="seek">
+              <p:cTn id="2" dur="indefinite" nodeType="mainSeq">
+                <p:childTnLst>
+                  <p:par>
+                    <p:cTn id="3" fill="hold">
+                      <p:stCondLst>
+                        <p:cond delay="indefinite"/>
+                      </p:stCondLst>
+                      <p:childTnLst>
+                        <p:par>
+                          <p:cTn id="4" fill="hold">
+                            <p:stCondLst>
+                              <p:cond delay="0"/>
+                            </p:stCondLst>
+                            <p:childTnLst>
+                              <p:par>
+                                <p:cTn id="5" presetID="10" presetClass="entr" presetSubtype="0" fill="hold" grpId="0" nodeType="clickEffect">
+                                  <p:stCondLst>
+                                    <p:cond delay="0"/>
+                                  </p:stCondLst>
+                                  <p:childTnLst>
+                                    <p:set>
+                                      <p:cBhvr>
+                                        <p:cTn id="6" dur="1" fill="hold">
+                                          <p:stCondLst>
+                                            <p:cond delay="0"/>
+                                          </p:stCondLst>
+                                        </p:cTn>
+                                        <p:tgtEl>
+                                          <p:spTgt spid="11"/>
+                                        </p:tgtEl>
+                                        <p:attrNameLst>
+                                          <p:attrName>style.visibility</p:attrName>
+                                        </p:attrNameLst>
+                                      </p:cBhvr>
+                                      <p:to>
+                                        <p:strVal val="visible"/>
+                                      </p:to>
+                                    </p:set>
+                                    <p:animEffect transition="in" filter="fade">
+                                      <p:cBhvr>
+                                        <p:cTn id="7" dur="500"/>
+                                        <p:tgtEl>
+                                          <p:spTgt spid="11"/>
+                                        </p:tgtEl>
+                                      </p:cBhvr>
+                                    </p:animEffect>
+                                  </p:childTnLst>
+                                </p:cTn>
+                              </p:par>
+                            </p:childTnLst>
+                          </p:cTn>
+                        </p:par>
+                      </p:childTnLst>
+                    </p:cTn>
+                  </p:par>
+                  <p:par>
+                    <p:cTn id="8" fill="hold">
+                      <p:stCondLst>
+                        <p:cond delay="indefinite"/>
+                      </p:stCondLst>
+                      <p:childTnLst>
+                        <p:par>
+                          <p:cTn id="9" fill="hold">
+                            <p:stCondLst>
+                              <p:cond delay="0"/>
+                            </p:stCondLst>
+                            <p:childTnLst>
+                              <p:par>
+                                <p:cTn id="10" presetID="10" presetClass="entr" presetSubtype="0" fill="hold" nodeType="clickEffect">
+                                  <p:stCondLst>
+                                    <p:cond delay="0"/>
+                                  </p:stCondLst>
+                                  <p:childTnLst>
+                                    <p:set>
+                                      <p:cBhvr>
+                                        <p:cTn id="11" dur="1" fill="hold">
+                                          <p:stCondLst>
+                                            <p:cond delay="0"/>
+                                          </p:stCondLst>
+                                        </p:cTn>
+                                        <p:tgtEl>
+                                          <p:spTgt spid="6"/>
+                                        </p:tgtEl>
+                                        <p:attrNameLst>
+                                          <p:attrName>style.visibility</p:attrName>
+                                        </p:attrNameLst>
+                                      </p:cBhvr>
+                                      <p:to>
+                                        <p:strVal val="visible"/>
+                                      </p:to>
+                                    </p:set>
+                                    <p:animEffect transition="in" filter="fade">
+                                      <p:cBhvr>
+                                        <p:cTn id="12" dur="500"/>
+                                        <p:tgtEl>
+                                          <p:spTgt spid="6"/>
+                                        </p:tgtEl>
+                                      </p:cBhvr>
+                                    </p:animEffect>
+                                  </p:childTnLst>
+                                </p:cTn>
+                              </p:par>
+                            </p:childTnLst>
+                          </p:cTn>
+                        </p:par>
+                      </p:childTnLst>
+                    </p:cTn>
+                  </p:par>
+                  <p:par>
+                    <p:cTn id="13" fill="hold">
+                      <p:stCondLst>
+                        <p:cond delay="indefinite"/>
+                      </p:stCondLst>
+                      <p:childTnLst>
+                        <p:par>
+                          <p:cTn id="14" fill="hold">
+                            <p:stCondLst>
+                              <p:cond delay="0"/>
+                            </p:stCondLst>
+                            <p:childTnLst>
+                              <p:par>
+                                <p:cTn id="15" presetID="10" presetClass="entr" presetSubtype="0" fill="hold" grpId="0" nodeType="clickEffect">
+                                  <p:stCondLst>
+                                    <p:cond delay="0"/>
+                                  </p:stCondLst>
+                                  <p:childTnLst>
+                                    <p:set>
+                                      <p:cBhvr>
+                                        <p:cTn id="16" dur="1" fill="hold">
+                                          <p:stCondLst>
+                                            <p:cond delay="0"/>
+                                          </p:stCondLst>
+                                        </p:cTn>
+                                        <p:tgtEl>
+                                          <p:spTgt spid="12"/>
+                                        </p:tgtEl>
+                                        <p:attrNameLst>
+                                          <p:attrName>style.visibility</p:attrName>
+                                        </p:attrNameLst>
+                                      </p:cBhvr>
+                                      <p:to>
+                                        <p:strVal val="visible"/>
+                                      </p:to>
+                                    </p:set>
+                                    <p:animEffect transition="in" filter="fade">
+                                      <p:cBhvr>
+                                        <p:cTn id="17" dur="500"/>
+                                        <p:tgtEl>
+                                          <p:spTgt spid="12"/>
+                                        </p:tgtEl>
+                                      </p:cBhvr>
+                                    </p:animEffect>
+                                  </p:childTnLst>
+                                </p:cTn>
+                              </p:par>
+                            </p:childTnLst>
+                          </p:cTn>
+                        </p:par>
+                      </p:childTnLst>
+                    </p:cTn>
+                  </p:par>
+                </p:childTnLst>
+              </p:cTn>
+              <p:prevCondLst>
+                <p:cond evt="onPrev" delay="0">
+                  <p:tgtEl>
+                    <p:sldTgt/>
+                  </p:tgtEl>
+                </p:cond>
+              </p:prevCondLst>
+              <p:nextCondLst>
+                <p:cond evt="onNext" delay="0">
+                  <p:tgtEl>
+                    <p:sldTgt/>
+                  </p:tgtEl>
+                </p:cond>
+              </p:nextCondLst>
+            </p:seq>
+          </p:childTnLst>
+        </p:cTn>
+      </p:par>
+    </p:tnLst>
+    <p:bldLst>
+      <p:bldP spid="11" grpId="0"/>
+      <p:bldP spid="12" grpId="0"/>
+    </p:bldLst>
+  </p:timing>
 </p:sld>
 </file>
 
@@ -10234,13 +10427,13 @@
   <p:clrMapOvr>
     <a:masterClrMapping/>
   </p:clrMapOvr>
-  <mc:AlternateContent xmlns:mc="http://schemas.openxmlformats.org/markup-compatibility/2006">
-    <mc:Choice xmlns:p14="http://schemas.microsoft.com/office/powerpoint/2010/main" Requires="p14">
+  <mc:AlternateContent xmlns:mc="http://schemas.openxmlformats.org/markup-compatibility/2006" xmlns:p14="http://schemas.microsoft.com/office/powerpoint/2010/main">
+    <mc:Choice Requires="p14">
       <p:transition spd="med" p14:dur="700">
         <p:fade/>
       </p:transition>
     </mc:Choice>
-    <mc:Fallback>
+    <mc:Fallback xmlns="">
       <p:transition spd="med">
         <p:fade/>
       </p:transition>
@@ -10973,6 +11166,145 @@
       </p:transition>
     </mc:Fallback>
   </mc:AlternateContent>
+  <p:timing>
+    <p:tnLst>
+      <p:par>
+        <p:cTn id="1" dur="indefinite" restart="never" nodeType="tmRoot">
+          <p:childTnLst>
+            <p:seq concurrent="1" nextAc="seek">
+              <p:cTn id="2" dur="indefinite" nodeType="mainSeq">
+                <p:childTnLst>
+                  <p:par>
+                    <p:cTn id="3" fill="hold">
+                      <p:stCondLst>
+                        <p:cond delay="indefinite"/>
+                      </p:stCondLst>
+                      <p:childTnLst>
+                        <p:par>
+                          <p:cTn id="4" fill="hold">
+                            <p:stCondLst>
+                              <p:cond delay="0"/>
+                            </p:stCondLst>
+                            <p:childTnLst>
+                              <p:par>
+                                <p:cTn id="5" presetID="10" presetClass="entr" presetSubtype="0" fill="hold" grpId="0" nodeType="clickEffect">
+                                  <p:stCondLst>
+                                    <p:cond delay="0"/>
+                                  </p:stCondLst>
+                                  <p:childTnLst>
+                                    <p:set>
+                                      <p:cBhvr>
+                                        <p:cTn id="6" dur="1" fill="hold">
+                                          <p:stCondLst>
+                                            <p:cond delay="0"/>
+                                          </p:stCondLst>
+                                        </p:cTn>
+                                        <p:tgtEl>
+                                          <p:spTgt spid="2"/>
+                                        </p:tgtEl>
+                                        <p:attrNameLst>
+                                          <p:attrName>style.visibility</p:attrName>
+                                        </p:attrNameLst>
+                                      </p:cBhvr>
+                                      <p:to>
+                                        <p:strVal val="visible"/>
+                                      </p:to>
+                                    </p:set>
+                                    <p:animEffect transition="in" filter="fade">
+                                      <p:cBhvr>
+                                        <p:cTn id="7" dur="500"/>
+                                        <p:tgtEl>
+                                          <p:spTgt spid="2"/>
+                                        </p:tgtEl>
+                                      </p:cBhvr>
+                                    </p:animEffect>
+                                  </p:childTnLst>
+                                </p:cTn>
+                              </p:par>
+                            </p:childTnLst>
+                          </p:cTn>
+                        </p:par>
+                      </p:childTnLst>
+                    </p:cTn>
+                  </p:par>
+                  <p:par>
+                    <p:cTn id="8" fill="hold">
+                      <p:stCondLst>
+                        <p:cond delay="indefinite"/>
+                      </p:stCondLst>
+                      <p:childTnLst>
+                        <p:par>
+                          <p:cTn id="9" fill="hold">
+                            <p:stCondLst>
+                              <p:cond delay="0"/>
+                            </p:stCondLst>
+                            <p:childTnLst>
+                              <p:par>
+                                <p:cTn id="10" presetID="10" presetClass="entr" presetSubtype="0" fill="hold" nodeType="clickEffect">
+                                  <p:stCondLst>
+                                    <p:cond delay="0"/>
+                                  </p:stCondLst>
+                                  <p:childTnLst>
+                                    <p:set>
+                                      <p:cBhvr>
+                                        <p:cTn id="11" dur="1" fill="hold">
+                                          <p:stCondLst>
+                                            <p:cond delay="0"/>
+                                          </p:stCondLst>
+                                        </p:cTn>
+                                        <p:tgtEl>
+                                          <p:spTgt spid="4"/>
+                                        </p:tgtEl>
+                                        <p:attrNameLst>
+                                          <p:attrName>style.visibility</p:attrName>
+                                        </p:attrNameLst>
+                                      </p:cBhvr>
+                                      <p:to>
+                                        <p:strVal val="visible"/>
+                                      </p:to>
+                                    </p:set>
+                                    <p:animEffect transition="in" filter="fade">
+                                      <p:cBhvr>
+                                        <p:cTn id="12" dur="500"/>
+                                        <p:tgtEl>
+                                          <p:spTgt spid="4"/>
+                                        </p:tgtEl>
+                                      </p:cBhvr>
+                                    </p:animEffect>
+                                  </p:childTnLst>
+                                </p:cTn>
+                              </p:par>
+                            </p:childTnLst>
+                          </p:cTn>
+                        </p:par>
+                      </p:childTnLst>
+                    </p:cTn>
+                  </p:par>
+                </p:childTnLst>
+              </p:cTn>
+              <p:prevCondLst>
+                <p:cond evt="onPrev" delay="0">
+                  <p:tgtEl>
+                    <p:sldTgt/>
+                  </p:tgtEl>
+                </p:cond>
+              </p:prevCondLst>
+              <p:nextCondLst>
+                <p:cond evt="onNext" delay="0">
+                  <p:tgtEl>
+                    <p:sldTgt/>
+                  </p:tgtEl>
+                </p:cond>
+              </p:nextCondLst>
+            </p:seq>
+          </p:childTnLst>
+        </p:cTn>
+      </p:par>
+    </p:tnLst>
+    <p:bldLst>
+      <p:bldP spid="2" grpId="0"/>
+    </p:bldLst>
+  </p:timing>
 </p:sld>
 </file>
 
@@ -11330,18 +11662,157 @@
   <p:clrMapOvr>
     <a:masterClrMapping/>
   </p:clrMapOvr>
-  <mc:AlternateContent xmlns:mc="http://schemas.openxmlformats.org/markup-compatibility/2006">
-    <mc:Choice xmlns:p14="http://schemas.microsoft.com/office/powerpoint/2010/main" Requires="p14">
+  <mc:AlternateContent xmlns:mc="http://schemas.openxmlformats.org/markup-compatibility/2006" xmlns:p14="http://schemas.microsoft.com/office/powerpoint/2010/main">
+    <mc:Choice Requires="p14">
       <p:transition spd="med" p14:dur="700">
         <p:fade/>
       </p:transition>
     </mc:Choice>
-    <mc:Fallback>
+    <mc:Fallback xmlns="">
       <p:transition spd="med">
         <p:fade/>
       </p:transition>
     </mc:Fallback>
   </mc:AlternateContent>
+  <p:timing>
+    <p:tnLst>
+      <p:par>
+        <p:cTn id="1" dur="indefinite" restart="never" nodeType="tmRoot">
+          <p:childTnLst>
+            <p:seq concurrent="1" nextAc="seek">
+              <p:cTn id="2" dur="indefinite" nodeType="mainSeq">
+                <p:childTnLst>
+                  <p:par>
+                    <p:cTn id="3" fill="hold">
+                      <p:stCondLst>
+                        <p:cond delay="indefinite"/>
+                      </p:stCondLst>
+                      <p:childTnLst>
+                        <p:par>
+                          <p:cTn id="4" fill="hold">
+                            <p:stCondLst>
+                              <p:cond delay="0"/>
+                            </p:stCondLst>
+                            <p:childTnLst>
+                              <p:par>
+                                <p:cTn id="5" presetID="10" presetClass="entr" presetSubtype="0" fill="hold" grpId="0" nodeType="clickEffect">
+                                  <p:stCondLst>
+                                    <p:cond delay="0"/>
+                                  </p:stCondLst>
+                                  <p:childTnLst>
+                                    <p:set>
+                                      <p:cBhvr>
+                                        <p:cTn id="6" dur="1" fill="hold">
+                                          <p:stCondLst>
+                                            <p:cond delay="0"/>
+                                          </p:stCondLst>
+                                        </p:cTn>
+                                        <p:tgtEl>
+                                          <p:spTgt spid="2"/>
+                                        </p:tgtEl>
+                                        <p:attrNameLst>
+                                          <p:attrName>style.visibility</p:attrName>
+                                        </p:attrNameLst>
+                                      </p:cBhvr>
+                                      <p:to>
+                                        <p:strVal val="visible"/>
+                                      </p:to>
+                                    </p:set>
+                                    <p:animEffect transition="in" filter="fade">
+                                      <p:cBhvr>
+                                        <p:cTn id="7" dur="500"/>
+                                        <p:tgtEl>
+                                          <p:spTgt spid="2"/>
+                                        </p:tgtEl>
+                                      </p:cBhvr>
+                                    </p:animEffect>
+                                  </p:childTnLst>
+                                </p:cTn>
+                              </p:par>
+                            </p:childTnLst>
+                          </p:cTn>
+                        </p:par>
+                      </p:childTnLst>
+                    </p:cTn>
+                  </p:par>
+                  <p:par>
+                    <p:cTn id="8" fill="hold">
+                      <p:stCondLst>
+                        <p:cond delay="indefinite"/>
+                      </p:stCondLst>
+                      <p:childTnLst>
+                        <p:par>
+                          <p:cTn id="9" fill="hold">
+                            <p:stCondLst>
+                              <p:cond delay="0"/>
+                            </p:stCondLst>
+                            <p:childTnLst>
+                              <p:par>
+                                <p:cTn id="10" presetID="10" presetClass="entr" presetSubtype="0" fill="hold" nodeType="clickEffect">
+                                  <p:stCondLst>
+                                    <p:cond delay="0"/>
+                                  </p:stCondLst>
+                                  <p:childTnLst>
+                                    <p:set>
+                                      <p:cBhvr>
+                                        <p:cTn id="11" dur="1" fill="hold">
+                                          <p:stCondLst>
+                                            <p:cond delay="0"/>
+                                          </p:stCondLst>
+                                        </p:cTn>
+                                        <p:tgtEl>
+                                          <p:spTgt spid="4"/>
+                                        </p:tgtEl>
+                                        <p:attrNameLst>
+                                          <p:attrName>style.visibility</p:attrName>
+                                        </p:attrNameLst>
+                                      </p:cBhvr>
+                                      <p:to>
+                                        <p:strVal val="visible"/>
+                                      </p:to>
+                                    </p:set>
+                                    <p:animEffect transition="in" filter="fade">
+                                      <p:cBhvr>
+                                        <p:cTn id="12" dur="500"/>
+                                        <p:tgtEl>
+                                          <p:spTgt spid="4"/>
+                                        </p:tgtEl>
+                                      </p:cBhvr>
+                                    </p:animEffect>
+                                  </p:childTnLst>
+                                </p:cTn>
+                              </p:par>
+                            </p:childTnLst>
+                          </p:cTn>
+                        </p:par>
+                      </p:childTnLst>
+                    </p:cTn>
+                  </p:par>
+                </p:childTnLst>
+              </p:cTn>
+              <p:prevCondLst>
+                <p:cond evt="onPrev" delay="0">
+                  <p:tgtEl>
+                    <p:sldTgt/>
+                  </p:tgtEl>
+                </p:cond>
+              </p:prevCondLst>
+              <p:nextCondLst>
+                <p:cond evt="onNext" delay="0">
+                  <p:tgtEl>
+                    <p:sldTgt/>
+                  </p:tgtEl>
+                </p:cond>
+              </p:nextCondLst>
+            </p:seq>
+          </p:childTnLst>
+        </p:cTn>
+      </p:par>
+    </p:tnLst>
+    <p:bldLst>
+      <p:bldP spid="2" grpId="0"/>
+    </p:bldLst>
+  </p:timing>
 </p:sld>
 </file>
 
@@ -11925,18 +12396,101 @@
   <p:clrMapOvr>
     <a:masterClrMapping/>
   </p:clrMapOvr>
-  <mc:AlternateContent xmlns:mc="http://schemas.openxmlformats.org/markup-compatibility/2006">
-    <mc:Choice xmlns:p14="http://schemas.microsoft.com/office/powerpoint/2010/main" Requires="p14">
+  <mc:AlternateContent xmlns:mc="http://schemas.openxmlformats.org/markup-compatibility/2006" xmlns:p14="http://schemas.microsoft.com/office/powerpoint/2010/main">
+    <mc:Choice Requires="p14">
       <p:transition spd="med" p14:dur="700">
         <p:fade/>
       </p:transition>
     </mc:Choice>
-    <mc:Fallback>
+    <mc:Fallback xmlns="">
       <p:transition spd="med">
         <p:fade/>
       </p:transition>
     </mc:Fallback>
   </mc:AlternateContent>
+  <p:timing>
+    <p:tnLst>
+      <p:par>
+        <p:cTn id="1" dur="indefinite" restart="never" nodeType="tmRoot">
+          <p:childTnLst>
+            <p:seq concurrent="1" nextAc="seek">
+              <p:cTn id="2" dur="indefinite" nodeType="mainSeq">
+                <p:childTnLst>
+                  <p:par>
+                    <p:cTn id="3" fill="hold">
+                      <p:stCondLst>
+                        <p:cond delay="indefinite"/>
+                      </p:stCondLst>
+                      <p:childTnLst>
+                        <p:par>
+                          <p:cTn id="4" fill="hold">
+                            <p:stCondLst>
+                              <p:cond delay="0"/>
+                            </p:stCondLst>
+                            <p:childTnLst>
+                              <p:par>
+                                <p:cTn id="5" presetID="10" presetClass="entr" presetSubtype="0" fill="hold" nodeType="clickEffect">
+                                  <p:stCondLst>
+                                    <p:cond delay="0"/>
+                                  </p:stCondLst>
+                                  <p:childTnLst>
+                                    <p:set>
+                                      <p:cBhvr>
+                                        <p:cTn id="6" dur="1" fill="hold">
+                                          <p:stCondLst>
+                                            <p:cond delay="0"/>
+                                          </p:stCondLst>
+                                        </p:cTn>
+                                        <p:tgtEl>
+                                          <p:spTgt spid="4"/>
+                                        </p:tgtEl>
+                                        <p:attrNameLst>
+                                          <p:attrName>style.visibility</p:attrName>
+                                        </p:attrNameLst>
+                                      </p:cBhvr>
+                                      <p:to>
+                                        <p:strVal val="visible"/>
+                                      </p:to>
+                                    </p:set>
+                                    <p:animEffect transition="in" filter="fade">
+                                      <p:cBhvr>
+                                        <p:cTn id="7" dur="500"/>
+                                        <p:tgtEl>
+                                          <p:spTgt spid="4"/>
+                                        </p:tgtEl>
+                                      </p:cBhvr>
+                                    </p:animEffect>
+                                  </p:childTnLst>
+                                </p:cTn>
+                              </p:par>
+                            </p:childTnLst>
+                          </p:cTn>
+                        </p:par>
+                      </p:childTnLst>
+                    </p:cTn>
+                  </p:par>
+                </p:childTnLst>
+              </p:cTn>
+              <p:prevCondLst>
+                <p:cond evt="onPrev" delay="0">
+                  <p:tgtEl>
+                    <p:sldTgt/>
+                  </p:tgtEl>
+                </p:cond>
+              </p:prevCondLst>
+              <p:nextCondLst>
+                <p:cond evt="onNext" delay="0">
+                  <p:tgtEl>
+                    <p:sldTgt/>
+                  </p:tgtEl>
+                </p:cond>
+              </p:nextCondLst>
+            </p:seq>
+          </p:childTnLst>
+        </p:cTn>
+      </p:par>
+    </p:tnLst>
+  </p:timing>
 </p:sld>
 </file>
 
@@ -12520,18 +13074,101 @@
   <p:clrMapOvr>
     <a:masterClrMapping/>
   </p:clrMapOvr>
-  <mc:AlternateContent xmlns:mc="http://schemas.openxmlformats.org/markup-compatibility/2006">
-    <mc:Choice xmlns:p14="http://schemas.microsoft.com/office/powerpoint/2010/main" Requires="p14">
+  <mc:AlternateContent xmlns:mc="http://schemas.openxmlformats.org/markup-compatibility/2006" xmlns:p14="http://schemas.microsoft.com/office/powerpoint/2010/main">
+    <mc:Choice Requires="p14">
       <p:transition spd="med" p14:dur="700">
         <p:fade/>
       </p:transition>
     </mc:Choice>
-    <mc:Fallback>
+    <mc:Fallback xmlns="">
       <p:transition spd="med">
         <p:fade/>
       </p:transition>
     </mc:Fallback>
   </mc:AlternateContent>
+  <p:timing>
+    <p:tnLst>
+      <p:par>
+        <p:cTn id="1" dur="indefinite" restart="never" nodeType="tmRoot">
+          <p:childTnLst>
+            <p:seq concurrent="1" nextAc="seek">
+              <p:cTn id="2" dur="indefinite" nodeType="mainSeq">
+                <p:childTnLst>
+                  <p:par>
+                    <p:cTn id="3" fill="hold">
+                      <p:stCondLst>
+                        <p:cond delay="indefinite"/>
+                      </p:stCondLst>
+                      <p:childTnLst>
+                        <p:par>
+                          <p:cTn id="4" fill="hold">
+                            <p:stCondLst>
+                              <p:cond delay="0"/>
+                            </p:stCondLst>
+                            <p:childTnLst>
+                              <p:par>
+                                <p:cTn id="5" presetID="10" presetClass="entr" presetSubtype="0" fill="hold" nodeType="clickEffect">
+                                  <p:stCondLst>
+                                    <p:cond delay="0"/>
+                                  </p:stCondLst>
+                                  <p:childTnLst>
+                                    <p:set>
+                                      <p:cBhvr>
+                                        <p:cTn id="6" dur="1" fill="hold">
+                                          <p:stCondLst>
+                                            <p:cond delay="0"/>
+                                          </p:stCondLst>
+                                        </p:cTn>
+                                        <p:tgtEl>
+                                          <p:spTgt spid="4"/>
+                                        </p:tgtEl>
+                                        <p:attrNameLst>
+                                          <p:attrName>style.visibility</p:attrName>
+                                        </p:attrNameLst>
+                                      </p:cBhvr>
+                                      <p:to>
+                                        <p:strVal val="visible"/>
+                                      </p:to>
+                                    </p:set>
+                                    <p:animEffect transition="in" filter="fade">
+                                      <p:cBhvr>
+                                        <p:cTn id="7" dur="500"/>
+                                        <p:tgtEl>
+                                          <p:spTgt spid="4"/>
+                                        </p:tgtEl>
+                                      </p:cBhvr>
+                                    </p:animEffect>
+                                  </p:childTnLst>
+                                </p:cTn>
+                              </p:par>
+                            </p:childTnLst>
+                          </p:cTn>
+                        </p:par>
+                      </p:childTnLst>
+                    </p:cTn>
+                  </p:par>
+                </p:childTnLst>
+              </p:cTn>
+              <p:prevCondLst>
+                <p:cond evt="onPrev" delay="0">
+                  <p:tgtEl>
+                    <p:sldTgt/>
+                  </p:tgtEl>
+                </p:cond>
+              </p:prevCondLst>
+              <p:nextCondLst>
+                <p:cond evt="onNext" delay="0">
+                  <p:tgtEl>
+                    <p:sldTgt/>
+                  </p:tgtEl>
+                </p:cond>
+              </p:nextCondLst>
+            </p:seq>
+          </p:childTnLst>
+        </p:cTn>
+      </p:par>
+    </p:tnLst>
+  </p:timing>
 </p:sld>
 </file>
 
@@ -12868,18 +13505,101 @@
   <p:clrMapOvr>
     <a:masterClrMapping/>
   </p:clrMapOvr>
-  <mc:AlternateContent xmlns:mc="http://schemas.openxmlformats.org/markup-compatibility/2006">
-    <mc:Choice xmlns:p14="http://schemas.microsoft.com/office/powerpoint/2010/main" Requires="p14">
+  <mc:AlternateContent xmlns:mc="http://schemas.openxmlformats.org/markup-compatibility/2006" xmlns:p14="http://schemas.microsoft.com/office/powerpoint/2010/main">
+    <mc:Choice Requires="p14">
       <p:transition spd="med" p14:dur="700">
         <p:fade/>
       </p:transition>
     </mc:Choice>
-    <mc:Fallback>
+    <mc:Fallback xmlns="">
       <p:transition spd="med">
         <p:fade/>
       </p:transition>
     </mc:Fallback>
   </mc:AlternateContent>
+  <p:timing>
+    <p:tnLst>
+      <p:par>
+        <p:cTn id="1" dur="indefinite" restart="never" nodeType="tmRoot">
+          <p:childTnLst>
+            <p:seq concurrent="1" nextAc="seek">
+              <p:cTn id="2" dur="indefinite" nodeType="mainSeq">
+                <p:childTnLst>
+                  <p:par>
+                    <p:cTn id="3" fill="hold">
+                      <p:stCondLst>
+                        <p:cond delay="indefinite"/>
+                      </p:stCondLst>
+                      <p:childTnLst>
+                        <p:par>
+                          <p:cTn id="4" fill="hold">
+                            <p:stCondLst>
+                              <p:cond delay="0"/>
+                            </p:stCondLst>
+                            <p:childTnLst>
+                              <p:par>
+                                <p:cTn id="5" presetID="10" presetClass="entr" presetSubtype="0" fill="hold" nodeType="clickEffect">
+                                  <p:stCondLst>
+                                    <p:cond delay="0"/>
+                                  </p:stCondLst>
+                                  <p:childTnLst>
+                                    <p:set>
+                                      <p:cBhvr>
+                                        <p:cTn id="6" dur="1" fill="hold">
+                                          <p:stCondLst>
+                                            <p:cond delay="0"/>
+                                          </p:stCondLst>
+                                        </p:cTn>
+                                        <p:tgtEl>
+                                          <p:spTgt spid="4"/>
+                                        </p:tgtEl>
+                                        <p:attrNameLst>
+                                          <p:attrName>style.visibility</p:attrName>
+                                        </p:attrNameLst>
+                                      </p:cBhvr>
+                                      <p:to>
+                                        <p:strVal val="visible"/>
+                                      </p:to>
+                                    </p:set>
+                                    <p:animEffect transition="in" filter="fade">
+                                      <p:cBhvr>
+                                        <p:cTn id="7" dur="500"/>
+                                        <p:tgtEl>
+                                          <p:spTgt spid="4"/>
+                                        </p:tgtEl>
+                                      </p:cBhvr>
+                                    </p:animEffect>
+                                  </p:childTnLst>
+                                </p:cTn>
+                              </p:par>
+                            </p:childTnLst>
+                          </p:cTn>
+                        </p:par>
+                      </p:childTnLst>
+                    </p:cTn>
+                  </p:par>
+                </p:childTnLst>
+              </p:cTn>
+              <p:prevCondLst>
+                <p:cond evt="onPrev" delay="0">
+                  <p:tgtEl>
+                    <p:sldTgt/>
+                  </p:tgtEl>
+                </p:cond>
+              </p:prevCondLst>
+              <p:nextCondLst>
+                <p:cond evt="onNext" delay="0">
+                  <p:tgtEl>
+                    <p:sldTgt/>
+                  </p:tgtEl>
+                </p:cond>
+              </p:nextCondLst>
+            </p:seq>
+          </p:childTnLst>
+        </p:cTn>
+      </p:par>
+    </p:tnLst>
+  </p:timing>
 </p:sld>
 </file>
 
